--- a/Présentation_Résultat.pptx
+++ b/Présentation_Résultat.pptx
@@ -9,6 +9,7 @@
     <p:sldId id="257" r:id="rId3"/>
     <p:sldId id="258" r:id="rId4"/>
     <p:sldId id="259" r:id="rId5"/>
+    <p:sldId id="260" r:id="rId6"/>
   </p:sldIdLst>
   <p:sldSz cx="12192000" cy="6858000"/>
   <p:notesSz cx="6858000" cy="9144000"/>
@@ -262,7 +263,7 @@
           <a:p>
             <a:fld id="{229EF114-3F3C-4E35-922B-512DF40F898B}" type="datetimeFigureOut">
               <a:rPr lang="fr-FR" smtClean="0"/>
-              <a:t>06/02/2019</a:t>
+              <a:t>12/02/2019</a:t>
             </a:fld>
             <a:endParaRPr lang="fr-FR"/>
           </a:p>
@@ -460,7 +461,7 @@
           <a:p>
             <a:fld id="{229EF114-3F3C-4E35-922B-512DF40F898B}" type="datetimeFigureOut">
               <a:rPr lang="fr-FR" smtClean="0"/>
-              <a:t>06/02/2019</a:t>
+              <a:t>12/02/2019</a:t>
             </a:fld>
             <a:endParaRPr lang="fr-FR"/>
           </a:p>
@@ -668,7 +669,7 @@
           <a:p>
             <a:fld id="{229EF114-3F3C-4E35-922B-512DF40F898B}" type="datetimeFigureOut">
               <a:rPr lang="fr-FR" smtClean="0"/>
-              <a:t>06/02/2019</a:t>
+              <a:t>12/02/2019</a:t>
             </a:fld>
             <a:endParaRPr lang="fr-FR"/>
           </a:p>
@@ -866,7 +867,7 @@
           <a:p>
             <a:fld id="{229EF114-3F3C-4E35-922B-512DF40F898B}" type="datetimeFigureOut">
               <a:rPr lang="fr-FR" smtClean="0"/>
-              <a:t>06/02/2019</a:t>
+              <a:t>12/02/2019</a:t>
             </a:fld>
             <a:endParaRPr lang="fr-FR"/>
           </a:p>
@@ -1141,7 +1142,7 @@
           <a:p>
             <a:fld id="{229EF114-3F3C-4E35-922B-512DF40F898B}" type="datetimeFigureOut">
               <a:rPr lang="fr-FR" smtClean="0"/>
-              <a:t>06/02/2019</a:t>
+              <a:t>12/02/2019</a:t>
             </a:fld>
             <a:endParaRPr lang="fr-FR"/>
           </a:p>
@@ -1406,7 +1407,7 @@
           <a:p>
             <a:fld id="{229EF114-3F3C-4E35-922B-512DF40F898B}" type="datetimeFigureOut">
               <a:rPr lang="fr-FR" smtClean="0"/>
-              <a:t>06/02/2019</a:t>
+              <a:t>12/02/2019</a:t>
             </a:fld>
             <a:endParaRPr lang="fr-FR"/>
           </a:p>
@@ -1818,7 +1819,7 @@
           <a:p>
             <a:fld id="{229EF114-3F3C-4E35-922B-512DF40F898B}" type="datetimeFigureOut">
               <a:rPr lang="fr-FR" smtClean="0"/>
-              <a:t>06/02/2019</a:t>
+              <a:t>12/02/2019</a:t>
             </a:fld>
             <a:endParaRPr lang="fr-FR"/>
           </a:p>
@@ -1959,7 +1960,7 @@
           <a:p>
             <a:fld id="{229EF114-3F3C-4E35-922B-512DF40F898B}" type="datetimeFigureOut">
               <a:rPr lang="fr-FR" smtClean="0"/>
-              <a:t>06/02/2019</a:t>
+              <a:t>12/02/2019</a:t>
             </a:fld>
             <a:endParaRPr lang="fr-FR"/>
           </a:p>
@@ -2072,7 +2073,7 @@
           <a:p>
             <a:fld id="{229EF114-3F3C-4E35-922B-512DF40F898B}" type="datetimeFigureOut">
               <a:rPr lang="fr-FR" smtClean="0"/>
-              <a:t>06/02/2019</a:t>
+              <a:t>12/02/2019</a:t>
             </a:fld>
             <a:endParaRPr lang="fr-FR"/>
           </a:p>
@@ -2383,7 +2384,7 @@
           <a:p>
             <a:fld id="{229EF114-3F3C-4E35-922B-512DF40F898B}" type="datetimeFigureOut">
               <a:rPr lang="fr-FR" smtClean="0"/>
-              <a:t>06/02/2019</a:t>
+              <a:t>12/02/2019</a:t>
             </a:fld>
             <a:endParaRPr lang="fr-FR"/>
           </a:p>
@@ -2671,7 +2672,7 @@
           <a:p>
             <a:fld id="{229EF114-3F3C-4E35-922B-512DF40F898B}" type="datetimeFigureOut">
               <a:rPr lang="fr-FR" smtClean="0"/>
-              <a:t>06/02/2019</a:t>
+              <a:t>12/02/2019</a:t>
             </a:fld>
             <a:endParaRPr lang="fr-FR"/>
           </a:p>
@@ -2912,7 +2913,7 @@
           <a:p>
             <a:fld id="{229EF114-3F3C-4E35-922B-512DF40F898B}" type="datetimeFigureOut">
               <a:rPr lang="fr-FR" smtClean="0"/>
-              <a:t>06/02/2019</a:t>
+              <a:t>12/02/2019</a:t>
             </a:fld>
             <a:endParaRPr lang="fr-FR"/>
           </a:p>
@@ -4268,6 +4269,140 @@
 </p:sld>
 </file>
 
+<file path=ppt/slides/slide5.xml><?xml version="1.0" encoding="utf-8"?>
+<p:sld xmlns:a="http://schemas.openxmlformats.org/drawingml/2006/main" xmlns:r="http://schemas.openxmlformats.org/officeDocument/2006/relationships" xmlns:p="http://schemas.openxmlformats.org/presentationml/2006/main">
+  <p:cSld>
+    <p:spTree>
+      <p:nvGrpSpPr>
+        <p:cNvPr id="1" name=""/>
+        <p:cNvGrpSpPr/>
+        <p:nvPr/>
+      </p:nvGrpSpPr>
+      <p:grpSpPr>
+        <a:xfrm>
+          <a:off x="0" y="0"/>
+          <a:ext cx="0" cy="0"/>
+          <a:chOff x="0" y="0"/>
+          <a:chExt cx="0" cy="0"/>
+        </a:xfrm>
+      </p:grpSpPr>
+      <p:pic>
+        <p:nvPicPr>
+          <p:cNvPr id="17" name="Espace réservé du contenu 16" descr="Une image contenant intérieur, ordinateur, personne, capture d’écran&#10;&#10;Description générée automatiquement">
+            <a:extLst>
+              <a:ext uri="{FF2B5EF4-FFF2-40B4-BE49-F238E27FC236}">
+                <a16:creationId xmlns:a16="http://schemas.microsoft.com/office/drawing/2014/main" id="{D5933C18-1AAB-4808-B432-1C814C09861A}"/>
+              </a:ext>
+            </a:extLst>
+          </p:cNvPr>
+          <p:cNvPicPr>
+            <a:picLocks noGrp="1" noChangeAspect="1"/>
+          </p:cNvPicPr>
+          <p:nvPr>
+            <p:ph idx="1"/>
+          </p:nvPr>
+        </p:nvPicPr>
+        <p:blipFill rotWithShape="1">
+          <a:blip r:embed="rId2">
+            <a:extLst>
+              <a:ext uri="{28A0092B-C50C-407E-A947-70E740481C1C}">
+                <a14:useLocalDpi xmlns:a14="http://schemas.microsoft.com/office/drawing/2010/main" val="0"/>
+              </a:ext>
+            </a:extLst>
+          </a:blip>
+          <a:srcRect l="53254" t="30650" r="3357" b="6095"/>
+          <a:stretch/>
+        </p:blipFill>
+        <p:spPr>
+          <a:xfrm>
+            <a:off x="0" y="-1"/>
+            <a:ext cx="11924385" cy="4889241"/>
+          </a:xfrm>
+        </p:spPr>
+      </p:pic>
+      <p:sp>
+        <p:nvSpPr>
+          <p:cNvPr id="18" name="ZoneTexte 17">
+            <a:extLst>
+              <a:ext uri="{FF2B5EF4-FFF2-40B4-BE49-F238E27FC236}">
+                <a16:creationId xmlns:a16="http://schemas.microsoft.com/office/drawing/2014/main" id="{8E43219D-78FF-4288-B7B4-5281D6F00DE2}"/>
+              </a:ext>
+            </a:extLst>
+          </p:cNvPr>
+          <p:cNvSpPr txBox="1"/>
+          <p:nvPr/>
+        </p:nvSpPr>
+        <p:spPr>
+          <a:xfrm>
+            <a:off x="1883228" y="5514391"/>
+            <a:ext cx="8425543" cy="1015663"/>
+          </a:xfrm>
+          <a:prstGeom prst="rect">
+            <a:avLst/>
+          </a:prstGeom>
+          <a:noFill/>
+        </p:spPr>
+        <p:txBody>
+          <a:bodyPr wrap="square" rtlCol="0">
+            <a:spAutoFit/>
+          </a:bodyPr>
+          <a:lstStyle/>
+          <a:p>
+            <a:r>
+              <a:rPr lang="fr-FR" sz="2000" dirty="0"/>
+              <a:t>Apres plusieurs </a:t>
+            </a:r>
+            <a:r>
+              <a:rPr lang="fr-FR" sz="2000" dirty="0" err="1"/>
+              <a:t>Grid</a:t>
+            </a:r>
+            <a:r>
+              <a:rPr lang="fr-FR" sz="2000" dirty="0"/>
+              <a:t> </a:t>
+            </a:r>
+            <a:r>
+              <a:rPr lang="fr-FR" sz="2000" dirty="0" err="1"/>
+              <a:t>search</a:t>
+            </a:r>
+            <a:r>
+              <a:rPr lang="fr-FR" sz="2000" dirty="0"/>
+              <a:t> sur différents modèles ,</a:t>
+            </a:r>
+          </a:p>
+          <a:p>
+            <a:r>
+              <a:rPr lang="fr-FR" sz="2000" dirty="0"/>
+              <a:t>On Obtient 94% avec un </a:t>
+            </a:r>
+            <a:r>
+              <a:rPr lang="fr-FR" sz="2000" dirty="0" err="1"/>
+              <a:t>XGBoost</a:t>
+            </a:r>
+            <a:r>
+              <a:rPr lang="fr-FR" sz="2000" dirty="0"/>
+              <a:t> Classifier sur le jeu de test qui </a:t>
+            </a:r>
+            <a:r>
+              <a:rPr lang="fr-FR" sz="2000"/>
+              <a:t>plutôt Honorable.</a:t>
+            </a:r>
+            <a:endParaRPr lang="fr-FR" sz="2000" dirty="0"/>
+          </a:p>
+        </p:txBody>
+      </p:sp>
+    </p:spTree>
+    <p:extLst>
+      <p:ext uri="{BB962C8B-B14F-4D97-AF65-F5344CB8AC3E}">
+        <p14:creationId xmlns:p14="http://schemas.microsoft.com/office/powerpoint/2010/main" val="59334037"/>
+      </p:ext>
+    </p:extLst>
+  </p:cSld>
+  <p:clrMapOvr>
+    <a:masterClrMapping/>
+  </p:clrMapOvr>
+</p:sld>
+</file>
+
 <file path=ppt/theme/theme1.xml><?xml version="1.0" encoding="utf-8"?>
 <a:theme xmlns:a="http://schemas.openxmlformats.org/drawingml/2006/main" name="Thème Office">
   <a:themeElements>

--- a/Présentation_Résultat.pptx
+++ b/Présentation_Résultat.pptx
@@ -6,10 +6,12 @@
   </p:sldMasterIdLst>
   <p:sldIdLst>
     <p:sldId id="256" r:id="rId2"/>
-    <p:sldId id="257" r:id="rId3"/>
-    <p:sldId id="258" r:id="rId4"/>
-    <p:sldId id="259" r:id="rId5"/>
-    <p:sldId id="260" r:id="rId6"/>
+    <p:sldId id="262" r:id="rId3"/>
+    <p:sldId id="261" r:id="rId4"/>
+    <p:sldId id="257" r:id="rId5"/>
+    <p:sldId id="258" r:id="rId6"/>
+    <p:sldId id="259" r:id="rId7"/>
+    <p:sldId id="260" r:id="rId8"/>
   </p:sldIdLst>
   <p:sldSz cx="12192000" cy="6858000"/>
   <p:notesSz cx="6858000" cy="9144000"/>
@@ -263,7 +265,7 @@
           <a:p>
             <a:fld id="{229EF114-3F3C-4E35-922B-512DF40F898B}" type="datetimeFigureOut">
               <a:rPr lang="fr-FR" smtClean="0"/>
-              <a:t>12/02/2019</a:t>
+              <a:t>13/02/2019</a:t>
             </a:fld>
             <a:endParaRPr lang="fr-FR"/>
           </a:p>
@@ -461,7 +463,7 @@
           <a:p>
             <a:fld id="{229EF114-3F3C-4E35-922B-512DF40F898B}" type="datetimeFigureOut">
               <a:rPr lang="fr-FR" smtClean="0"/>
-              <a:t>12/02/2019</a:t>
+              <a:t>13/02/2019</a:t>
             </a:fld>
             <a:endParaRPr lang="fr-FR"/>
           </a:p>
@@ -669,7 +671,7 @@
           <a:p>
             <a:fld id="{229EF114-3F3C-4E35-922B-512DF40F898B}" type="datetimeFigureOut">
               <a:rPr lang="fr-FR" smtClean="0"/>
-              <a:t>12/02/2019</a:t>
+              <a:t>13/02/2019</a:t>
             </a:fld>
             <a:endParaRPr lang="fr-FR"/>
           </a:p>
@@ -867,7 +869,7 @@
           <a:p>
             <a:fld id="{229EF114-3F3C-4E35-922B-512DF40F898B}" type="datetimeFigureOut">
               <a:rPr lang="fr-FR" smtClean="0"/>
-              <a:t>12/02/2019</a:t>
+              <a:t>13/02/2019</a:t>
             </a:fld>
             <a:endParaRPr lang="fr-FR"/>
           </a:p>
@@ -1142,7 +1144,7 @@
           <a:p>
             <a:fld id="{229EF114-3F3C-4E35-922B-512DF40F898B}" type="datetimeFigureOut">
               <a:rPr lang="fr-FR" smtClean="0"/>
-              <a:t>12/02/2019</a:t>
+              <a:t>13/02/2019</a:t>
             </a:fld>
             <a:endParaRPr lang="fr-FR"/>
           </a:p>
@@ -1407,7 +1409,7 @@
           <a:p>
             <a:fld id="{229EF114-3F3C-4E35-922B-512DF40F898B}" type="datetimeFigureOut">
               <a:rPr lang="fr-FR" smtClean="0"/>
-              <a:t>12/02/2019</a:t>
+              <a:t>13/02/2019</a:t>
             </a:fld>
             <a:endParaRPr lang="fr-FR"/>
           </a:p>
@@ -1819,7 +1821,7 @@
           <a:p>
             <a:fld id="{229EF114-3F3C-4E35-922B-512DF40F898B}" type="datetimeFigureOut">
               <a:rPr lang="fr-FR" smtClean="0"/>
-              <a:t>12/02/2019</a:t>
+              <a:t>13/02/2019</a:t>
             </a:fld>
             <a:endParaRPr lang="fr-FR"/>
           </a:p>
@@ -1960,7 +1962,7 @@
           <a:p>
             <a:fld id="{229EF114-3F3C-4E35-922B-512DF40F898B}" type="datetimeFigureOut">
               <a:rPr lang="fr-FR" smtClean="0"/>
-              <a:t>12/02/2019</a:t>
+              <a:t>13/02/2019</a:t>
             </a:fld>
             <a:endParaRPr lang="fr-FR"/>
           </a:p>
@@ -2073,7 +2075,7 @@
           <a:p>
             <a:fld id="{229EF114-3F3C-4E35-922B-512DF40F898B}" type="datetimeFigureOut">
               <a:rPr lang="fr-FR" smtClean="0"/>
-              <a:t>12/02/2019</a:t>
+              <a:t>13/02/2019</a:t>
             </a:fld>
             <a:endParaRPr lang="fr-FR"/>
           </a:p>
@@ -2384,7 +2386,7 @@
           <a:p>
             <a:fld id="{229EF114-3F3C-4E35-922B-512DF40F898B}" type="datetimeFigureOut">
               <a:rPr lang="fr-FR" smtClean="0"/>
-              <a:t>12/02/2019</a:t>
+              <a:t>13/02/2019</a:t>
             </a:fld>
             <a:endParaRPr lang="fr-FR"/>
           </a:p>
@@ -2672,7 +2674,7 @@
           <a:p>
             <a:fld id="{229EF114-3F3C-4E35-922B-512DF40F898B}" type="datetimeFigureOut">
               <a:rPr lang="fr-FR" smtClean="0"/>
-              <a:t>12/02/2019</a:t>
+              <a:t>13/02/2019</a:t>
             </a:fld>
             <a:endParaRPr lang="fr-FR"/>
           </a:p>
@@ -2913,7 +2915,7 @@
           <a:p>
             <a:fld id="{229EF114-3F3C-4E35-922B-512DF40F898B}" type="datetimeFigureOut">
               <a:rPr lang="fr-FR" smtClean="0"/>
-              <a:t>12/02/2019</a:t>
+              <a:t>13/02/2019</a:t>
             </a:fld>
             <a:endParaRPr lang="fr-FR"/>
           </a:p>
@@ -3421,6 +3423,490 @@
           <a:chExt cx="0" cy="0"/>
         </a:xfrm>
       </p:grpSpPr>
+      <p:sp>
+        <p:nvSpPr>
+          <p:cNvPr id="2" name="Titre 1">
+            <a:extLst>
+              <a:ext uri="{FF2B5EF4-FFF2-40B4-BE49-F238E27FC236}">
+                <a16:creationId xmlns:a16="http://schemas.microsoft.com/office/drawing/2014/main" id="{AA67C7C9-E2B5-491D-8B0A-6E70208DC87F}"/>
+              </a:ext>
+            </a:extLst>
+          </p:cNvPr>
+          <p:cNvSpPr>
+            <a:spLocks noGrp="1"/>
+          </p:cNvSpPr>
+          <p:nvPr>
+            <p:ph type="title"/>
+          </p:nvPr>
+        </p:nvSpPr>
+        <p:spPr/>
+        <p:txBody>
+          <a:bodyPr/>
+          <a:lstStyle/>
+          <a:p>
+            <a:r>
+              <a:rPr lang="fr-FR" dirty="0"/>
+              <a:t>Contexte</a:t>
+            </a:r>
+          </a:p>
+        </p:txBody>
+      </p:sp>
+      <p:sp>
+        <p:nvSpPr>
+          <p:cNvPr id="3" name="Espace réservé du contenu 2">
+            <a:extLst>
+              <a:ext uri="{FF2B5EF4-FFF2-40B4-BE49-F238E27FC236}">
+                <a16:creationId xmlns:a16="http://schemas.microsoft.com/office/drawing/2014/main" id="{9F1A7605-58CA-4C6E-A7BC-D81A3AA044B1}"/>
+              </a:ext>
+            </a:extLst>
+          </p:cNvPr>
+          <p:cNvSpPr>
+            <a:spLocks noGrp="1"/>
+          </p:cNvSpPr>
+          <p:nvPr>
+            <p:ph idx="1"/>
+          </p:nvPr>
+        </p:nvSpPr>
+        <p:spPr/>
+        <p:txBody>
+          <a:bodyPr/>
+          <a:lstStyle/>
+          <a:p>
+            <a:r>
+              <a:rPr lang="fr-FR" dirty="0"/>
+              <a:t>j'ai reçu une base de données avec sur des mails,  qui comporte les fréquences de certains mots clés dans ceux-ci et si il est un mail de Spam ou non.</a:t>
+            </a:r>
+          </a:p>
+        </p:txBody>
+      </p:sp>
+      <p:sp>
+        <p:nvSpPr>
+          <p:cNvPr id="4" name="Titre 1">
+            <a:extLst>
+              <a:ext uri="{FF2B5EF4-FFF2-40B4-BE49-F238E27FC236}">
+                <a16:creationId xmlns:a16="http://schemas.microsoft.com/office/drawing/2014/main" id="{731F81B9-9D40-4EFA-8317-02B7773786B3}"/>
+              </a:ext>
+            </a:extLst>
+          </p:cNvPr>
+          <p:cNvSpPr txBox="1">
+            <a:spLocks/>
+          </p:cNvSpPr>
+          <p:nvPr/>
+        </p:nvSpPr>
+        <p:spPr>
+          <a:xfrm>
+            <a:off x="838200" y="3327837"/>
+            <a:ext cx="10515600" cy="1325563"/>
+          </a:xfrm>
+          <a:prstGeom prst="rect">
+            <a:avLst/>
+          </a:prstGeom>
+        </p:spPr>
+        <p:txBody>
+          <a:bodyPr vert="horz" lIns="91440" tIns="45720" rIns="91440" bIns="45720" rtlCol="0" anchor="ctr">
+            <a:normAutofit/>
+          </a:bodyPr>
+          <a:lstStyle>
+            <a:lvl1pPr algn="l" defTabSz="914400" rtl="0" eaLnBrk="1" latinLnBrk="0" hangingPunct="1">
+              <a:lnSpc>
+                <a:spcPct val="90000"/>
+              </a:lnSpc>
+              <a:spcBef>
+                <a:spcPct val="0"/>
+              </a:spcBef>
+              <a:buNone/>
+              <a:defRPr sz="4400" kern="1200">
+                <a:solidFill>
+                  <a:schemeClr val="tx1"/>
+                </a:solidFill>
+                <a:latin typeface="+mj-lt"/>
+                <a:ea typeface="+mj-ea"/>
+                <a:cs typeface="+mj-cs"/>
+              </a:defRPr>
+            </a:lvl1pPr>
+          </a:lstStyle>
+          <a:p>
+            <a:r>
+              <a:rPr lang="fr-FR"/>
+              <a:t>Objectif</a:t>
+            </a:r>
+            <a:endParaRPr lang="fr-FR" dirty="0"/>
+          </a:p>
+        </p:txBody>
+      </p:sp>
+      <p:sp>
+        <p:nvSpPr>
+          <p:cNvPr id="5" name="Espace réservé du contenu 2">
+            <a:extLst>
+              <a:ext uri="{FF2B5EF4-FFF2-40B4-BE49-F238E27FC236}">
+                <a16:creationId xmlns:a16="http://schemas.microsoft.com/office/drawing/2014/main" id="{3BDE92BB-C769-4D6D-8C25-1CEB878FC665}"/>
+              </a:ext>
+            </a:extLst>
+          </p:cNvPr>
+          <p:cNvSpPr txBox="1">
+            <a:spLocks/>
+          </p:cNvSpPr>
+          <p:nvPr/>
+        </p:nvSpPr>
+        <p:spPr>
+          <a:xfrm>
+            <a:off x="838200" y="4788337"/>
+            <a:ext cx="10515600" cy="4351338"/>
+          </a:xfrm>
+          <a:prstGeom prst="rect">
+            <a:avLst/>
+          </a:prstGeom>
+        </p:spPr>
+        <p:txBody>
+          <a:bodyPr vert="horz" lIns="91440" tIns="45720" rIns="91440" bIns="45720" rtlCol="0">
+            <a:normAutofit/>
+          </a:bodyPr>
+          <a:lstStyle>
+            <a:lvl1pPr marL="228600" indent="-228600" algn="l" defTabSz="914400" rtl="0" eaLnBrk="1" latinLnBrk="0" hangingPunct="1">
+              <a:lnSpc>
+                <a:spcPct val="90000"/>
+              </a:lnSpc>
+              <a:spcBef>
+                <a:spcPts val="1000"/>
+              </a:spcBef>
+              <a:buFont typeface="Arial" panose="020B0604020202020204" pitchFamily="34" charset="0"/>
+              <a:buChar char="•"/>
+              <a:defRPr sz="2800" kern="1200">
+                <a:solidFill>
+                  <a:schemeClr val="tx1"/>
+                </a:solidFill>
+                <a:latin typeface="+mn-lt"/>
+                <a:ea typeface="+mn-ea"/>
+                <a:cs typeface="+mn-cs"/>
+              </a:defRPr>
+            </a:lvl1pPr>
+            <a:lvl2pPr marL="685800" indent="-228600" algn="l" defTabSz="914400" rtl="0" eaLnBrk="1" latinLnBrk="0" hangingPunct="1">
+              <a:lnSpc>
+                <a:spcPct val="90000"/>
+              </a:lnSpc>
+              <a:spcBef>
+                <a:spcPts val="500"/>
+              </a:spcBef>
+              <a:buFont typeface="Arial" panose="020B0604020202020204" pitchFamily="34" charset="0"/>
+              <a:buChar char="•"/>
+              <a:defRPr sz="2400" kern="1200">
+                <a:solidFill>
+                  <a:schemeClr val="tx1"/>
+                </a:solidFill>
+                <a:latin typeface="+mn-lt"/>
+                <a:ea typeface="+mn-ea"/>
+                <a:cs typeface="+mn-cs"/>
+              </a:defRPr>
+            </a:lvl2pPr>
+            <a:lvl3pPr marL="1143000" indent="-228600" algn="l" defTabSz="914400" rtl="0" eaLnBrk="1" latinLnBrk="0" hangingPunct="1">
+              <a:lnSpc>
+                <a:spcPct val="90000"/>
+              </a:lnSpc>
+              <a:spcBef>
+                <a:spcPts val="500"/>
+              </a:spcBef>
+              <a:buFont typeface="Arial" panose="020B0604020202020204" pitchFamily="34" charset="0"/>
+              <a:buChar char="•"/>
+              <a:defRPr sz="2000" kern="1200">
+                <a:solidFill>
+                  <a:schemeClr val="tx1"/>
+                </a:solidFill>
+                <a:latin typeface="+mn-lt"/>
+                <a:ea typeface="+mn-ea"/>
+                <a:cs typeface="+mn-cs"/>
+              </a:defRPr>
+            </a:lvl3pPr>
+            <a:lvl4pPr marL="1600200" indent="-228600" algn="l" defTabSz="914400" rtl="0" eaLnBrk="1" latinLnBrk="0" hangingPunct="1">
+              <a:lnSpc>
+                <a:spcPct val="90000"/>
+              </a:lnSpc>
+              <a:spcBef>
+                <a:spcPts val="500"/>
+              </a:spcBef>
+              <a:buFont typeface="Arial" panose="020B0604020202020204" pitchFamily="34" charset="0"/>
+              <a:buChar char="•"/>
+              <a:defRPr sz="1800" kern="1200">
+                <a:solidFill>
+                  <a:schemeClr val="tx1"/>
+                </a:solidFill>
+                <a:latin typeface="+mn-lt"/>
+                <a:ea typeface="+mn-ea"/>
+                <a:cs typeface="+mn-cs"/>
+              </a:defRPr>
+            </a:lvl4pPr>
+            <a:lvl5pPr marL="2057400" indent="-228600" algn="l" defTabSz="914400" rtl="0" eaLnBrk="1" latinLnBrk="0" hangingPunct="1">
+              <a:lnSpc>
+                <a:spcPct val="90000"/>
+              </a:lnSpc>
+              <a:spcBef>
+                <a:spcPts val="500"/>
+              </a:spcBef>
+              <a:buFont typeface="Arial" panose="020B0604020202020204" pitchFamily="34" charset="0"/>
+              <a:buChar char="•"/>
+              <a:defRPr sz="1800" kern="1200">
+                <a:solidFill>
+                  <a:schemeClr val="tx1"/>
+                </a:solidFill>
+                <a:latin typeface="+mn-lt"/>
+                <a:ea typeface="+mn-ea"/>
+                <a:cs typeface="+mn-cs"/>
+              </a:defRPr>
+            </a:lvl5pPr>
+            <a:lvl6pPr marL="2514600" indent="-228600" algn="l" defTabSz="914400" rtl="0" eaLnBrk="1" latinLnBrk="0" hangingPunct="1">
+              <a:lnSpc>
+                <a:spcPct val="90000"/>
+              </a:lnSpc>
+              <a:spcBef>
+                <a:spcPts val="500"/>
+              </a:spcBef>
+              <a:buFont typeface="Arial" panose="020B0604020202020204" pitchFamily="34" charset="0"/>
+              <a:buChar char="•"/>
+              <a:defRPr sz="1800" kern="1200">
+                <a:solidFill>
+                  <a:schemeClr val="tx1"/>
+                </a:solidFill>
+                <a:latin typeface="+mn-lt"/>
+                <a:ea typeface="+mn-ea"/>
+                <a:cs typeface="+mn-cs"/>
+              </a:defRPr>
+            </a:lvl6pPr>
+            <a:lvl7pPr marL="2971800" indent="-228600" algn="l" defTabSz="914400" rtl="0" eaLnBrk="1" latinLnBrk="0" hangingPunct="1">
+              <a:lnSpc>
+                <a:spcPct val="90000"/>
+              </a:lnSpc>
+              <a:spcBef>
+                <a:spcPts val="500"/>
+              </a:spcBef>
+              <a:buFont typeface="Arial" panose="020B0604020202020204" pitchFamily="34" charset="0"/>
+              <a:buChar char="•"/>
+              <a:defRPr sz="1800" kern="1200">
+                <a:solidFill>
+                  <a:schemeClr val="tx1"/>
+                </a:solidFill>
+                <a:latin typeface="+mn-lt"/>
+                <a:ea typeface="+mn-ea"/>
+                <a:cs typeface="+mn-cs"/>
+              </a:defRPr>
+            </a:lvl7pPr>
+            <a:lvl8pPr marL="3429000" indent="-228600" algn="l" defTabSz="914400" rtl="0" eaLnBrk="1" latinLnBrk="0" hangingPunct="1">
+              <a:lnSpc>
+                <a:spcPct val="90000"/>
+              </a:lnSpc>
+              <a:spcBef>
+                <a:spcPts val="500"/>
+              </a:spcBef>
+              <a:buFont typeface="Arial" panose="020B0604020202020204" pitchFamily="34" charset="0"/>
+              <a:buChar char="•"/>
+              <a:defRPr sz="1800" kern="1200">
+                <a:solidFill>
+                  <a:schemeClr val="tx1"/>
+                </a:solidFill>
+                <a:latin typeface="+mn-lt"/>
+                <a:ea typeface="+mn-ea"/>
+                <a:cs typeface="+mn-cs"/>
+              </a:defRPr>
+            </a:lvl8pPr>
+            <a:lvl9pPr marL="3886200" indent="-228600" algn="l" defTabSz="914400" rtl="0" eaLnBrk="1" latinLnBrk="0" hangingPunct="1">
+              <a:lnSpc>
+                <a:spcPct val="90000"/>
+              </a:lnSpc>
+              <a:spcBef>
+                <a:spcPts val="500"/>
+              </a:spcBef>
+              <a:buFont typeface="Arial" panose="020B0604020202020204" pitchFamily="34" charset="0"/>
+              <a:buChar char="•"/>
+              <a:defRPr sz="1800" kern="1200">
+                <a:solidFill>
+                  <a:schemeClr val="tx1"/>
+                </a:solidFill>
+                <a:latin typeface="+mn-lt"/>
+                <a:ea typeface="+mn-ea"/>
+                <a:cs typeface="+mn-cs"/>
+              </a:defRPr>
+            </a:lvl9pPr>
+          </a:lstStyle>
+          <a:p>
+            <a:r>
+              <a:rPr lang="fr-FR"/>
+              <a:t>Réaliser une exploration des données ainsi que des modèles sur cette base de données pour prédire au mieux si les mails sont des Spams ou non</a:t>
+            </a:r>
+            <a:endParaRPr lang="fr-FR" dirty="0"/>
+          </a:p>
+        </p:txBody>
+      </p:sp>
+    </p:spTree>
+    <p:extLst>
+      <p:ext uri="{BB962C8B-B14F-4D97-AF65-F5344CB8AC3E}">
+        <p14:creationId xmlns:p14="http://schemas.microsoft.com/office/powerpoint/2010/main" val="895554719"/>
+      </p:ext>
+    </p:extLst>
+  </p:cSld>
+  <p:clrMapOvr>
+    <a:masterClrMapping/>
+  </p:clrMapOvr>
+</p:sld>
+</file>
+
+<file path=ppt/slides/slide3.xml><?xml version="1.0" encoding="utf-8"?>
+<p:sld xmlns:a="http://schemas.openxmlformats.org/drawingml/2006/main" xmlns:r="http://schemas.openxmlformats.org/officeDocument/2006/relationships" xmlns:p="http://schemas.openxmlformats.org/presentationml/2006/main">
+  <p:cSld>
+    <p:spTree>
+      <p:nvGrpSpPr>
+        <p:cNvPr id="1" name=""/>
+        <p:cNvGrpSpPr/>
+        <p:nvPr/>
+      </p:nvGrpSpPr>
+      <p:grpSpPr>
+        <a:xfrm>
+          <a:off x="0" y="0"/>
+          <a:ext cx="0" cy="0"/>
+          <a:chOff x="0" y="0"/>
+          <a:chExt cx="0" cy="0"/>
+        </a:xfrm>
+      </p:grpSpPr>
+      <p:sp>
+        <p:nvSpPr>
+          <p:cNvPr id="2" name="Titre 1">
+            <a:extLst>
+              <a:ext uri="{FF2B5EF4-FFF2-40B4-BE49-F238E27FC236}">
+                <a16:creationId xmlns:a16="http://schemas.microsoft.com/office/drawing/2014/main" id="{C9BBC873-D4F9-435A-8A3B-341AF3EDF68F}"/>
+              </a:ext>
+            </a:extLst>
+          </p:cNvPr>
+          <p:cNvSpPr>
+            <a:spLocks noGrp="1"/>
+          </p:cNvSpPr>
+          <p:nvPr>
+            <p:ph type="title"/>
+          </p:nvPr>
+        </p:nvSpPr>
+        <p:spPr/>
+        <p:txBody>
+          <a:bodyPr/>
+          <a:lstStyle/>
+          <a:p>
+            <a:r>
+              <a:rPr lang="fr-FR" dirty="0"/>
+              <a:t>Les différentes </a:t>
+            </a:r>
+            <a:r>
+              <a:rPr lang="fr-FR" dirty="0" err="1"/>
+              <a:t>Features</a:t>
+            </a:r>
+            <a:endParaRPr lang="fr-FR" dirty="0"/>
+          </a:p>
+        </p:txBody>
+      </p:sp>
+      <p:pic>
+        <p:nvPicPr>
+          <p:cNvPr id="4" name="Espace réservé du contenu 3">
+            <a:extLst>
+              <a:ext uri="{FF2B5EF4-FFF2-40B4-BE49-F238E27FC236}">
+                <a16:creationId xmlns:a16="http://schemas.microsoft.com/office/drawing/2014/main" id="{9FD65B41-2807-45E7-9ACC-96B67CCEBA3E}"/>
+              </a:ext>
+            </a:extLst>
+          </p:cNvPr>
+          <p:cNvPicPr>
+            <a:picLocks noGrp="1" noChangeAspect="1"/>
+          </p:cNvPicPr>
+          <p:nvPr>
+            <p:ph idx="1"/>
+          </p:nvPr>
+        </p:nvPicPr>
+        <p:blipFill rotWithShape="1">
+          <a:blip r:embed="rId2"/>
+          <a:srcRect l="62304" t="30650" r="13384" b="40967"/>
+          <a:stretch/>
+        </p:blipFill>
+        <p:spPr>
+          <a:xfrm>
+            <a:off x="261501" y="1690688"/>
+            <a:ext cx="10940486" cy="3592287"/>
+          </a:xfrm>
+          <a:prstGeom prst="rect">
+            <a:avLst/>
+          </a:prstGeom>
+        </p:spPr>
+      </p:pic>
+      <p:sp>
+        <p:nvSpPr>
+          <p:cNvPr id="6" name="ZoneTexte 5">
+            <a:extLst>
+              <a:ext uri="{FF2B5EF4-FFF2-40B4-BE49-F238E27FC236}">
+                <a16:creationId xmlns:a16="http://schemas.microsoft.com/office/drawing/2014/main" id="{A618010F-0E15-48C0-809A-BB6516978E14}"/>
+              </a:ext>
+            </a:extLst>
+          </p:cNvPr>
+          <p:cNvSpPr txBox="1"/>
+          <p:nvPr/>
+        </p:nvSpPr>
+        <p:spPr>
+          <a:xfrm>
+            <a:off x="729842" y="5587068"/>
+            <a:ext cx="10075178" cy="646331"/>
+          </a:xfrm>
+          <a:prstGeom prst="rect">
+            <a:avLst/>
+          </a:prstGeom>
+          <a:noFill/>
+        </p:spPr>
+        <p:txBody>
+          <a:bodyPr wrap="square" rtlCol="0">
+            <a:spAutoFit/>
+          </a:bodyPr>
+          <a:lstStyle/>
+          <a:p>
+            <a:r>
+              <a:rPr lang="fr-FR" dirty="0"/>
+              <a:t>Chaque colonne </a:t>
+            </a:r>
+            <a:r>
+              <a:rPr lang="fr-FR" dirty="0" err="1"/>
+              <a:t>répresente</a:t>
+            </a:r>
+            <a:r>
+              <a:rPr lang="fr-FR" dirty="0"/>
+              <a:t> la fréquence d’un mot particulier d’un mail,</a:t>
+            </a:r>
+          </a:p>
+          <a:p>
+            <a:r>
+              <a:rPr lang="fr-FR" dirty="0"/>
+              <a:t>J’ai 57 Colonne de Fréquence et 1 Colonne « Target » pour savoir si le mail est un spam ou non</a:t>
+            </a:r>
+          </a:p>
+        </p:txBody>
+      </p:sp>
+    </p:spTree>
+    <p:extLst>
+      <p:ext uri="{BB962C8B-B14F-4D97-AF65-F5344CB8AC3E}">
+        <p14:creationId xmlns:p14="http://schemas.microsoft.com/office/powerpoint/2010/main" val="4165047810"/>
+      </p:ext>
+    </p:extLst>
+  </p:cSld>
+  <p:clrMapOvr>
+    <a:masterClrMapping/>
+  </p:clrMapOvr>
+</p:sld>
+</file>
+
+<file path=ppt/slides/slide4.xml><?xml version="1.0" encoding="utf-8"?>
+<p:sld xmlns:a="http://schemas.openxmlformats.org/drawingml/2006/main" xmlns:r="http://schemas.openxmlformats.org/officeDocument/2006/relationships" xmlns:p="http://schemas.openxmlformats.org/presentationml/2006/main">
+  <p:cSld>
+    <p:spTree>
+      <p:nvGrpSpPr>
+        <p:cNvPr id="1" name=""/>
+        <p:cNvGrpSpPr/>
+        <p:nvPr/>
+      </p:nvGrpSpPr>
+      <p:grpSpPr>
+        <a:xfrm>
+          <a:off x="0" y="0"/>
+          <a:ext cx="0" cy="0"/>
+          <a:chOff x="0" y="0"/>
+          <a:chExt cx="0" cy="0"/>
+        </a:xfrm>
+      </p:grpSpPr>
       <p:pic>
         <p:nvPicPr>
           <p:cNvPr id="7" name="Espace réservé du contenu 6" descr="Une image contenant capture d’écran&#10;&#10;Description générée automatiquement">
@@ -3554,7 +4040,7 @@
 </p:sld>
 </file>
 
-<file path=ppt/slides/slide3.xml><?xml version="1.0" encoding="utf-8"?>
+<file path=ppt/slides/slide5.xml><?xml version="1.0" encoding="utf-8"?>
 <p:sld xmlns:a="http://schemas.openxmlformats.org/drawingml/2006/main" xmlns:r="http://schemas.openxmlformats.org/officeDocument/2006/relationships" xmlns:p="http://schemas.openxmlformats.org/presentationml/2006/main">
   <p:cSld>
     <p:bg>
@@ -4153,7 +4639,7 @@
 </p:sld>
 </file>
 
-<file path=ppt/slides/slide4.xml><?xml version="1.0" encoding="utf-8"?>
+<file path=ppt/slides/slide6.xml><?xml version="1.0" encoding="utf-8"?>
 <p:sld xmlns:a="http://schemas.openxmlformats.org/drawingml/2006/main" xmlns:r="http://schemas.openxmlformats.org/officeDocument/2006/relationships" xmlns:p="http://schemas.openxmlformats.org/presentationml/2006/main">
   <p:cSld>
     <p:spTree>
@@ -4269,7 +4755,7 @@
 </p:sld>
 </file>
 
-<file path=ppt/slides/slide5.xml><?xml version="1.0" encoding="utf-8"?>
+<file path=ppt/slides/slide7.xml><?xml version="1.0" encoding="utf-8"?>
 <p:sld xmlns:a="http://schemas.openxmlformats.org/drawingml/2006/main" xmlns:r="http://schemas.openxmlformats.org/officeDocument/2006/relationships" xmlns:p="http://schemas.openxmlformats.org/presentationml/2006/main">
   <p:cSld>
     <p:spTree>
